--- a/files/2021/Tic-Tac-Toe-Figures.pptx
+++ b/files/2021/Tic-Tac-Toe-Figures.pptx
@@ -108,6 +108,11 @@
       </a:defRPr>
     </a:lvl9pPr>
   </p:defaultTextStyle>
+  <p:extLst>
+    <p:ext uri="{EFAFB233-063F-42B5-8137-9DF3F51BA10A}">
+      <p15:sldGuideLst xmlns:p15="http://schemas.microsoft.com/office/powerpoint/2012/main"/>
+    </p:ext>
+  </p:extLst>
 </p:presentation>
 </file>
 
@@ -7070,7 +7075,7 @@
           <p:nvPr>
             <p:extLst>
               <p:ext uri="{D42A27DB-BD31-4B8C-83A1-F6EECF244321}">
-                <p14:modId xmlns:p14="http://schemas.microsoft.com/office/powerpoint/2010/main" val="1441849191"/>
+                <p14:modId xmlns:p14="http://schemas.microsoft.com/office/powerpoint/2010/main" val="732321259"/>
               </p:ext>
             </p:extLst>
           </p:nvPr>
@@ -7259,10 +7264,10 @@
                       <a:r>
                         <a:rPr lang="es-ES" sz="3600" b="1" dirty="0">
                           <a:solidFill>
-                            <a:schemeClr val="tx2"/>
+                            <a:srgbClr val="FF0000"/>
                           </a:solidFill>
                         </a:rPr>
-                        <a:t>5</a:t>
+                        <a:t>8</a:t>
                       </a:r>
                     </a:p>
                   </a:txBody>
@@ -7323,7 +7328,7 @@
                       <a:pPr algn="ctr"/>
                       <a:r>
                         <a:rPr lang="es-ES" sz="6000" b="1" dirty="0"/>
-                        <a:t>0</a:t>
+                        <a:t>1</a:t>
                       </a:r>
                     </a:p>
                   </a:txBody>
@@ -7482,6 +7487,631 @@
                       <a:schemeClr val="accent5">
                         <a:lumMod val="40000"/>
                         <a:lumOff val="60000"/>
+                      </a:schemeClr>
+                    </a:solidFill>
+                  </a:tcPr>
+                </a:tc>
+                <a:tc>
+                  <a:txBody>
+                    <a:bodyPr/>
+                    <a:lstStyle/>
+                    <a:p>
+                      <a:pPr algn="ctr"/>
+                      <a:r>
+                        <a:rPr lang="es-ES" sz="3600" b="1" dirty="0">
+                          <a:solidFill>
+                            <a:schemeClr val="tx2"/>
+                          </a:solidFill>
+                        </a:rPr>
+                        <a:t>1</a:t>
+                      </a:r>
+                    </a:p>
+                  </a:txBody>
+                  <a:tcPr anchor="ctr">
+                    <a:lnL w="12700" cap="flat" cmpd="sng" algn="ctr">
+                      <a:solidFill>
+                        <a:schemeClr val="tx1"/>
+                      </a:solidFill>
+                      <a:prstDash val="solid"/>
+                      <a:round/>
+                      <a:headEnd type="none" w="med" len="med"/>
+                      <a:tailEnd type="none" w="med" len="med"/>
+                    </a:lnL>
+                    <a:solidFill>
+                      <a:schemeClr val="accent2">
+                        <a:lumMod val="20000"/>
+                        <a:lumOff val="80000"/>
+                      </a:schemeClr>
+                    </a:solidFill>
+                  </a:tcPr>
+                </a:tc>
+                <a:extLst>
+                  <a:ext uri="{0D108BD9-81ED-4DB2-BD59-A6C34878D82A}">
+                    <a16:rowId xmlns:a16="http://schemas.microsoft.com/office/drawing/2014/main" val="726801578"/>
+                  </a:ext>
+                </a:extLst>
+              </a:tr>
+              <a:tr h="1046616">
+                <a:tc>
+                  <a:txBody>
+                    <a:bodyPr/>
+                    <a:lstStyle/>
+                    <a:p>
+                      <a:pPr algn="ctr"/>
+                      <a:r>
+                        <a:rPr lang="es-ES" sz="3600" b="1" dirty="0">
+                          <a:solidFill>
+                            <a:schemeClr val="tx2"/>
+                          </a:solidFill>
+                        </a:rPr>
+                        <a:t>S2</a:t>
+                      </a:r>
+                    </a:p>
+                  </a:txBody>
+                  <a:tcPr anchor="ctr">
+                    <a:lnR w="12700" cap="flat" cmpd="sng" algn="ctr">
+                      <a:solidFill>
+                        <a:schemeClr val="tx1"/>
+                      </a:solidFill>
+                      <a:prstDash val="solid"/>
+                      <a:round/>
+                      <a:headEnd type="none" w="med" len="med"/>
+                      <a:tailEnd type="none" w="med" len="med"/>
+                    </a:lnR>
+                    <a:solidFill>
+                      <a:schemeClr val="accent1">
+                        <a:lumMod val="20000"/>
+                        <a:lumOff val="80000"/>
+                      </a:schemeClr>
+                    </a:solidFill>
+                  </a:tcPr>
+                </a:tc>
+                <a:tc>
+                  <a:txBody>
+                    <a:bodyPr/>
+                    <a:lstStyle/>
+                    <a:p>
+                      <a:pPr algn="ctr"/>
+                      <a:r>
+                        <a:rPr lang="es-ES" sz="6000" b="1" dirty="0"/>
+                        <a:t>1</a:t>
+                      </a:r>
+                    </a:p>
+                  </a:txBody>
+                  <a:tcPr anchor="ctr">
+                    <a:lnL w="12700" cap="flat" cmpd="sng" algn="ctr">
+                      <a:solidFill>
+                        <a:schemeClr val="tx1"/>
+                      </a:solidFill>
+                      <a:prstDash val="solid"/>
+                      <a:round/>
+                      <a:headEnd type="none" w="med" len="med"/>
+                      <a:tailEnd type="none" w="med" len="med"/>
+                    </a:lnL>
+                    <a:lnR w="12700" cap="flat" cmpd="sng" algn="ctr">
+                      <a:solidFill>
+                        <a:schemeClr val="tx1"/>
+                      </a:solidFill>
+                      <a:prstDash val="solid"/>
+                      <a:round/>
+                      <a:headEnd type="none" w="med" len="med"/>
+                      <a:tailEnd type="none" w="med" len="med"/>
+                    </a:lnR>
+                    <a:lnT w="12700" cap="flat" cmpd="sng" algn="ctr">
+                      <a:solidFill>
+                        <a:schemeClr val="tx1"/>
+                      </a:solidFill>
+                      <a:prstDash val="solid"/>
+                      <a:round/>
+                      <a:headEnd type="none" w="med" len="med"/>
+                      <a:tailEnd type="none" w="med" len="med"/>
+                    </a:lnT>
+                    <a:lnB w="12700" cap="flat" cmpd="sng" algn="ctr">
+                      <a:solidFill>
+                        <a:schemeClr val="tx1"/>
+                      </a:solidFill>
+                      <a:prstDash val="solid"/>
+                      <a:round/>
+                      <a:headEnd type="none" w="med" len="med"/>
+                      <a:tailEnd type="none" w="med" len="med"/>
+                    </a:lnB>
+                    <a:solidFill>
+                      <a:schemeClr val="accent5">
+                        <a:lumMod val="40000"/>
+                        <a:lumOff val="60000"/>
+                      </a:schemeClr>
+                    </a:solidFill>
+                  </a:tcPr>
+                </a:tc>
+                <a:tc>
+                  <a:txBody>
+                    <a:bodyPr/>
+                    <a:lstStyle/>
+                    <a:p>
+                      <a:pPr algn="ctr"/>
+                      <a:r>
+                        <a:rPr lang="es-ES" sz="6000" b="1" dirty="0"/>
+                        <a:t>4</a:t>
+                      </a:r>
+                    </a:p>
+                  </a:txBody>
+                  <a:tcPr anchor="ctr">
+                    <a:lnL w="12700" cap="flat" cmpd="sng" algn="ctr">
+                      <a:solidFill>
+                        <a:schemeClr val="tx1"/>
+                      </a:solidFill>
+                      <a:prstDash val="solid"/>
+                      <a:round/>
+                      <a:headEnd type="none" w="med" len="med"/>
+                      <a:tailEnd type="none" w="med" len="med"/>
+                    </a:lnL>
+                    <a:lnR w="12700" cap="flat" cmpd="sng" algn="ctr">
+                      <a:solidFill>
+                        <a:schemeClr val="tx1"/>
+                      </a:solidFill>
+                      <a:prstDash val="solid"/>
+                      <a:round/>
+                      <a:headEnd type="none" w="med" len="med"/>
+                      <a:tailEnd type="none" w="med" len="med"/>
+                    </a:lnR>
+                    <a:lnT w="12700" cap="flat" cmpd="sng" algn="ctr">
+                      <a:solidFill>
+                        <a:schemeClr val="tx1"/>
+                      </a:solidFill>
+                      <a:prstDash val="solid"/>
+                      <a:round/>
+                      <a:headEnd type="none" w="med" len="med"/>
+                      <a:tailEnd type="none" w="med" len="med"/>
+                    </a:lnT>
+                    <a:lnB w="12700" cap="flat" cmpd="sng" algn="ctr">
+                      <a:solidFill>
+                        <a:schemeClr val="tx1"/>
+                      </a:solidFill>
+                      <a:prstDash val="solid"/>
+                      <a:round/>
+                      <a:headEnd type="none" w="med" len="med"/>
+                      <a:tailEnd type="none" w="med" len="med"/>
+                    </a:lnB>
+                    <a:solidFill>
+                      <a:schemeClr val="accent5">
+                        <a:lumMod val="40000"/>
+                        <a:lumOff val="60000"/>
+                      </a:schemeClr>
+                    </a:solidFill>
+                  </a:tcPr>
+                </a:tc>
+                <a:tc>
+                  <a:txBody>
+                    <a:bodyPr/>
+                    <a:lstStyle/>
+                    <a:p>
+                      <a:pPr algn="ctr"/>
+                      <a:r>
+                        <a:rPr lang="es-ES" sz="6000" b="1" dirty="0"/>
+                        <a:t>0</a:t>
+                      </a:r>
+                    </a:p>
+                  </a:txBody>
+                  <a:tcPr anchor="ctr">
+                    <a:lnL w="12700" cap="flat" cmpd="sng" algn="ctr">
+                      <a:solidFill>
+                        <a:schemeClr val="tx1"/>
+                      </a:solidFill>
+                      <a:prstDash val="solid"/>
+                      <a:round/>
+                      <a:headEnd type="none" w="med" len="med"/>
+                      <a:tailEnd type="none" w="med" len="med"/>
+                    </a:lnL>
+                    <a:lnR w="12700" cap="flat" cmpd="sng" algn="ctr">
+                      <a:solidFill>
+                        <a:schemeClr val="tx1"/>
+                      </a:solidFill>
+                      <a:prstDash val="solid"/>
+                      <a:round/>
+                      <a:headEnd type="none" w="med" len="med"/>
+                      <a:tailEnd type="none" w="med" len="med"/>
+                    </a:lnR>
+                    <a:lnT w="12700" cap="flat" cmpd="sng" algn="ctr">
+                      <a:solidFill>
+                        <a:schemeClr val="tx1"/>
+                      </a:solidFill>
+                      <a:prstDash val="solid"/>
+                      <a:round/>
+                      <a:headEnd type="none" w="med" len="med"/>
+                      <a:tailEnd type="none" w="med" len="med"/>
+                    </a:lnT>
+                    <a:lnB w="12700" cap="flat" cmpd="sng" algn="ctr">
+                      <a:solidFill>
+                        <a:schemeClr val="tx1"/>
+                      </a:solidFill>
+                      <a:prstDash val="solid"/>
+                      <a:round/>
+                      <a:headEnd type="none" w="med" len="med"/>
+                      <a:tailEnd type="none" w="med" len="med"/>
+                    </a:lnB>
+                    <a:solidFill>
+                      <a:schemeClr val="accent5">
+                        <a:lumMod val="40000"/>
+                        <a:lumOff val="60000"/>
+                      </a:schemeClr>
+                    </a:solidFill>
+                  </a:tcPr>
+                </a:tc>
+                <a:tc>
+                  <a:txBody>
+                    <a:bodyPr/>
+                    <a:lstStyle/>
+                    <a:p>
+                      <a:pPr algn="ctr"/>
+                      <a:r>
+                        <a:rPr lang="es-ES" sz="3600" b="1" dirty="0">
+                          <a:solidFill>
+                            <a:schemeClr val="tx2"/>
+                          </a:solidFill>
+                        </a:rPr>
+                        <a:t>5</a:t>
+                      </a:r>
+                    </a:p>
+                  </a:txBody>
+                  <a:tcPr anchor="ctr">
+                    <a:lnL w="12700" cap="flat" cmpd="sng" algn="ctr">
+                      <a:solidFill>
+                        <a:schemeClr val="tx1"/>
+                      </a:solidFill>
+                      <a:prstDash val="solid"/>
+                      <a:round/>
+                      <a:headEnd type="none" w="med" len="med"/>
+                      <a:tailEnd type="none" w="med" len="med"/>
+                    </a:lnL>
+                    <a:solidFill>
+                      <a:schemeClr val="accent1">
+                        <a:lumMod val="20000"/>
+                        <a:lumOff val="80000"/>
+                      </a:schemeClr>
+                    </a:solidFill>
+                  </a:tcPr>
+                </a:tc>
+                <a:extLst>
+                  <a:ext uri="{0D108BD9-81ED-4DB2-BD59-A6C34878D82A}">
+                    <a16:rowId xmlns:a16="http://schemas.microsoft.com/office/drawing/2014/main" val="1334811792"/>
+                  </a:ext>
+                </a:extLst>
+              </a:tr>
+              <a:tr h="1046616">
+                <a:tc>
+                  <a:txBody>
+                    <a:bodyPr/>
+                    <a:lstStyle/>
+                    <a:p>
+                      <a:pPr algn="ctr"/>
+                      <a:r>
+                        <a:rPr lang="es-ES" sz="3600" b="1" dirty="0">
+                          <a:solidFill>
+                            <a:schemeClr val="tx2"/>
+                          </a:solidFill>
+                        </a:rPr>
+                        <a:t>S3</a:t>
+                      </a:r>
+                    </a:p>
+                  </a:txBody>
+                  <a:tcPr anchor="ctr">
+                    <a:lnR w="12700" cap="flat" cmpd="sng" algn="ctr">
+                      <a:solidFill>
+                        <a:schemeClr val="tx1"/>
+                      </a:solidFill>
+                      <a:prstDash val="solid"/>
+                      <a:round/>
+                      <a:headEnd type="none" w="med" len="med"/>
+                      <a:tailEnd type="none" w="med" len="med"/>
+                    </a:lnR>
+                    <a:solidFill>
+                      <a:schemeClr val="tx2">
+                        <a:lumMod val="20000"/>
+                        <a:lumOff val="80000"/>
+                      </a:schemeClr>
+                    </a:solidFill>
+                  </a:tcPr>
+                </a:tc>
+                <a:tc>
+                  <a:txBody>
+                    <a:bodyPr/>
+                    <a:lstStyle/>
+                    <a:p>
+                      <a:pPr algn="ctr"/>
+                      <a:r>
+                        <a:rPr lang="es-ES" sz="6000" b="1" dirty="0"/>
+                        <a:t>4</a:t>
+                      </a:r>
+                    </a:p>
+                  </a:txBody>
+                  <a:tcPr anchor="ctr">
+                    <a:lnL w="12700" cap="flat" cmpd="sng" algn="ctr">
+                      <a:solidFill>
+                        <a:schemeClr val="tx1"/>
+                      </a:solidFill>
+                      <a:prstDash val="solid"/>
+                      <a:round/>
+                      <a:headEnd type="none" w="med" len="med"/>
+                      <a:tailEnd type="none" w="med" len="med"/>
+                    </a:lnL>
+                    <a:lnR w="12700" cap="flat" cmpd="sng" algn="ctr">
+                      <a:solidFill>
+                        <a:schemeClr val="tx1"/>
+                      </a:solidFill>
+                      <a:prstDash val="solid"/>
+                      <a:round/>
+                      <a:headEnd type="none" w="med" len="med"/>
+                      <a:tailEnd type="none" w="med" len="med"/>
+                    </a:lnR>
+                    <a:lnT w="12700" cap="flat" cmpd="sng" algn="ctr">
+                      <a:solidFill>
+                        <a:schemeClr val="tx1"/>
+                      </a:solidFill>
+                      <a:prstDash val="solid"/>
+                      <a:round/>
+                      <a:headEnd type="none" w="med" len="med"/>
+                      <a:tailEnd type="none" w="med" len="med"/>
+                    </a:lnT>
+                    <a:lnB w="12700" cap="flat" cmpd="sng" algn="ctr">
+                      <a:solidFill>
+                        <a:schemeClr val="tx1"/>
+                      </a:solidFill>
+                      <a:prstDash val="solid"/>
+                      <a:round/>
+                      <a:headEnd type="none" w="med" len="med"/>
+                      <a:tailEnd type="none" w="med" len="med"/>
+                    </a:lnB>
+                    <a:solidFill>
+                      <a:schemeClr val="accent5">
+                        <a:lumMod val="40000"/>
+                        <a:lumOff val="60000"/>
+                      </a:schemeClr>
+                    </a:solidFill>
+                  </a:tcPr>
+                </a:tc>
+                <a:tc>
+                  <a:txBody>
+                    <a:bodyPr/>
+                    <a:lstStyle/>
+                    <a:p>
+                      <a:pPr algn="ctr"/>
+                      <a:r>
+                        <a:rPr lang="es-ES" sz="6000" b="1" dirty="0"/>
+                        <a:t>0</a:t>
+                      </a:r>
+                    </a:p>
+                  </a:txBody>
+                  <a:tcPr anchor="ctr">
+                    <a:lnL w="12700" cap="flat" cmpd="sng" algn="ctr">
+                      <a:solidFill>
+                        <a:schemeClr val="tx1"/>
+                      </a:solidFill>
+                      <a:prstDash val="solid"/>
+                      <a:round/>
+                      <a:headEnd type="none" w="med" len="med"/>
+                      <a:tailEnd type="none" w="med" len="med"/>
+                    </a:lnL>
+                    <a:lnR w="12700" cap="flat" cmpd="sng" algn="ctr">
+                      <a:solidFill>
+                        <a:schemeClr val="tx1"/>
+                      </a:solidFill>
+                      <a:prstDash val="solid"/>
+                      <a:round/>
+                      <a:headEnd type="none" w="med" len="med"/>
+                      <a:tailEnd type="none" w="med" len="med"/>
+                    </a:lnR>
+                    <a:lnT w="12700" cap="flat" cmpd="sng" algn="ctr">
+                      <a:solidFill>
+                        <a:schemeClr val="tx1"/>
+                      </a:solidFill>
+                      <a:prstDash val="solid"/>
+                      <a:round/>
+                      <a:headEnd type="none" w="med" len="med"/>
+                      <a:tailEnd type="none" w="med" len="med"/>
+                    </a:lnT>
+                    <a:lnB w="12700" cap="flat" cmpd="sng" algn="ctr">
+                      <a:solidFill>
+                        <a:schemeClr val="tx1"/>
+                      </a:solidFill>
+                      <a:prstDash val="solid"/>
+                      <a:round/>
+                      <a:headEnd type="none" w="med" len="med"/>
+                      <a:tailEnd type="none" w="med" len="med"/>
+                    </a:lnB>
+                    <a:solidFill>
+                      <a:schemeClr val="accent5">
+                        <a:lumMod val="40000"/>
+                        <a:lumOff val="60000"/>
+                      </a:schemeClr>
+                    </a:solidFill>
+                  </a:tcPr>
+                </a:tc>
+                <a:tc>
+                  <a:txBody>
+                    <a:bodyPr/>
+                    <a:lstStyle/>
+                    <a:p>
+                      <a:pPr algn="ctr"/>
+                      <a:r>
+                        <a:rPr lang="es-ES" sz="6000" b="1" dirty="0"/>
+                        <a:t>0</a:t>
+                      </a:r>
+                    </a:p>
+                  </a:txBody>
+                  <a:tcPr anchor="ctr">
+                    <a:lnL w="12700" cap="flat" cmpd="sng" algn="ctr">
+                      <a:solidFill>
+                        <a:schemeClr val="tx1"/>
+                      </a:solidFill>
+                      <a:prstDash val="solid"/>
+                      <a:round/>
+                      <a:headEnd type="none" w="med" len="med"/>
+                      <a:tailEnd type="none" w="med" len="med"/>
+                    </a:lnL>
+                    <a:lnR w="12700" cap="flat" cmpd="sng" algn="ctr">
+                      <a:solidFill>
+                        <a:schemeClr val="tx1"/>
+                      </a:solidFill>
+                      <a:prstDash val="solid"/>
+                      <a:round/>
+                      <a:headEnd type="none" w="med" len="med"/>
+                      <a:tailEnd type="none" w="med" len="med"/>
+                    </a:lnR>
+                    <a:lnT w="12700" cap="flat" cmpd="sng" algn="ctr">
+                      <a:solidFill>
+                        <a:schemeClr val="tx1"/>
+                      </a:solidFill>
+                      <a:prstDash val="solid"/>
+                      <a:round/>
+                      <a:headEnd type="none" w="med" len="med"/>
+                      <a:tailEnd type="none" w="med" len="med"/>
+                    </a:lnT>
+                    <a:lnB w="12700" cap="flat" cmpd="sng" algn="ctr">
+                      <a:solidFill>
+                        <a:schemeClr val="tx1"/>
+                      </a:solidFill>
+                      <a:prstDash val="solid"/>
+                      <a:round/>
+                      <a:headEnd type="none" w="med" len="med"/>
+                      <a:tailEnd type="none" w="med" len="med"/>
+                    </a:lnB>
+                    <a:solidFill>
+                      <a:schemeClr val="accent5">
+                        <a:lumMod val="40000"/>
+                        <a:lumOff val="60000"/>
+                      </a:schemeClr>
+                    </a:solidFill>
+                  </a:tcPr>
+                </a:tc>
+                <a:tc>
+                  <a:txBody>
+                    <a:bodyPr/>
+                    <a:lstStyle/>
+                    <a:p>
+                      <a:pPr algn="ctr"/>
+                      <a:r>
+                        <a:rPr lang="es-ES" sz="3600" b="1" dirty="0">
+                          <a:solidFill>
+                            <a:schemeClr val="tx2"/>
+                          </a:solidFill>
+                        </a:rPr>
+                        <a:t>4</a:t>
+                      </a:r>
+                    </a:p>
+                  </a:txBody>
+                  <a:tcPr anchor="ctr">
+                    <a:lnL w="12700" cap="flat" cmpd="sng" algn="ctr">
+                      <a:solidFill>
+                        <a:schemeClr val="tx1"/>
+                      </a:solidFill>
+                      <a:prstDash val="solid"/>
+                      <a:round/>
+                      <a:headEnd type="none" w="med" len="med"/>
+                      <a:tailEnd type="none" w="med" len="med"/>
+                    </a:lnL>
+                    <a:solidFill>
+                      <a:schemeClr val="tx2">
+                        <a:lumMod val="20000"/>
+                        <a:lumOff val="80000"/>
+                      </a:schemeClr>
+                    </a:solidFill>
+                  </a:tcPr>
+                </a:tc>
+                <a:extLst>
+                  <a:ext uri="{0D108BD9-81ED-4DB2-BD59-A6C34878D82A}">
+                    <a16:rowId xmlns:a16="http://schemas.microsoft.com/office/drawing/2014/main" val="3901077607"/>
+                  </a:ext>
+                </a:extLst>
+              </a:tr>
+              <a:tr h="1046616">
+                <a:tc>
+                  <a:txBody>
+                    <a:bodyPr/>
+                    <a:lstStyle/>
+                    <a:p>
+                      <a:pPr algn="ctr"/>
+                      <a:r>
+                        <a:rPr lang="es-ES" sz="3600" b="1" dirty="0">
+                          <a:solidFill>
+                            <a:schemeClr val="tx2"/>
+                          </a:solidFill>
+                        </a:rPr>
+                        <a:t>S8</a:t>
+                      </a:r>
+                    </a:p>
+                  </a:txBody>
+                  <a:tcPr anchor="ctr">
+                    <a:solidFill>
+                      <a:schemeClr val="bg2">
+                        <a:lumMod val="90000"/>
+                      </a:schemeClr>
+                    </a:solidFill>
+                  </a:tcPr>
+                </a:tc>
+                <a:tc>
+                  <a:txBody>
+                    <a:bodyPr/>
+                    <a:lstStyle/>
+                    <a:p>
+                      <a:pPr algn="ctr"/>
+                      <a:r>
+                        <a:rPr lang="es-ES" sz="3600" b="1" dirty="0">
+                          <a:solidFill>
+                            <a:schemeClr val="tx2"/>
+                          </a:solidFill>
+                        </a:rPr>
+                        <a:t>6</a:t>
+                      </a:r>
+                    </a:p>
+                  </a:txBody>
+                  <a:tcPr anchor="ctr">
+                    <a:lnT w="12700" cap="flat" cmpd="sng" algn="ctr">
+                      <a:solidFill>
+                        <a:schemeClr val="tx1"/>
+                      </a:solidFill>
+                      <a:prstDash val="solid"/>
+                      <a:round/>
+                      <a:headEnd type="none" w="med" len="med"/>
+                      <a:tailEnd type="none" w="med" len="med"/>
+                    </a:lnT>
+                    <a:solidFill>
+                      <a:schemeClr val="accent2">
+                        <a:lumMod val="40000"/>
+                        <a:lumOff val="60000"/>
+                      </a:schemeClr>
+                    </a:solidFill>
+                  </a:tcPr>
+                </a:tc>
+                <a:tc>
+                  <a:txBody>
+                    <a:bodyPr/>
+                    <a:lstStyle/>
+                    <a:p>
+                      <a:pPr algn="ctr"/>
+                      <a:r>
+                        <a:rPr lang="es-ES" sz="3600" b="1" dirty="0">
+                          <a:solidFill>
+                            <a:schemeClr val="tx2"/>
+                          </a:solidFill>
+                        </a:rPr>
+                        <a:t>4</a:t>
+                      </a:r>
+                    </a:p>
+                  </a:txBody>
+                  <a:tcPr anchor="ctr">
+                    <a:lnT w="12700" cap="flat" cmpd="sng" algn="ctr">
+                      <a:solidFill>
+                        <a:schemeClr val="tx1"/>
+                      </a:solidFill>
+                      <a:prstDash val="solid"/>
+                      <a:round/>
+                      <a:headEnd type="none" w="med" len="med"/>
+                      <a:tailEnd type="none" w="med" len="med"/>
+                    </a:lnT>
+                    <a:solidFill>
+                      <a:schemeClr val="accent1">
+                        <a:lumMod val="60000"/>
+                        <a:lumOff val="40000"/>
                       </a:schemeClr>
                     </a:solidFill>
                   </a:tcPr>
@@ -7503,95 +8133,6 @@
                     </a:p>
                   </a:txBody>
                   <a:tcPr anchor="ctr">
-                    <a:lnL w="12700" cap="flat" cmpd="sng" algn="ctr">
-                      <a:solidFill>
-                        <a:schemeClr val="tx1"/>
-                      </a:solidFill>
-                      <a:prstDash val="solid"/>
-                      <a:round/>
-                      <a:headEnd type="none" w="med" len="med"/>
-                      <a:tailEnd type="none" w="med" len="med"/>
-                    </a:lnL>
-                    <a:solidFill>
-                      <a:schemeClr val="accent2">
-                        <a:lumMod val="20000"/>
-                        <a:lumOff val="80000"/>
-                      </a:schemeClr>
-                    </a:solidFill>
-                  </a:tcPr>
-                </a:tc>
-                <a:extLst>
-                  <a:ext uri="{0D108BD9-81ED-4DB2-BD59-A6C34878D82A}">
-                    <a16:rowId xmlns:a16="http://schemas.microsoft.com/office/drawing/2014/main" val="726801578"/>
-                  </a:ext>
-                </a:extLst>
-              </a:tr>
-              <a:tr h="1046616">
-                <a:tc>
-                  <a:txBody>
-                    <a:bodyPr/>
-                    <a:lstStyle/>
-                    <a:p>
-                      <a:pPr algn="ctr"/>
-                      <a:r>
-                        <a:rPr lang="es-ES" sz="3600" b="1" dirty="0">
-                          <a:solidFill>
-                            <a:schemeClr val="tx2"/>
-                          </a:solidFill>
-                        </a:rPr>
-                        <a:t>S2</a:t>
-                      </a:r>
-                    </a:p>
-                  </a:txBody>
-                  <a:tcPr anchor="ctr">
-                    <a:lnR w="12700" cap="flat" cmpd="sng" algn="ctr">
-                      <a:solidFill>
-                        <a:schemeClr val="tx1"/>
-                      </a:solidFill>
-                      <a:prstDash val="solid"/>
-                      <a:round/>
-                      <a:headEnd type="none" w="med" len="med"/>
-                      <a:tailEnd type="none" w="med" len="med"/>
-                    </a:lnR>
-                    <a:solidFill>
-                      <a:schemeClr val="accent1">
-                        <a:lumMod val="20000"/>
-                        <a:lumOff val="80000"/>
-                      </a:schemeClr>
-                    </a:solidFill>
-                  </a:tcPr>
-                </a:tc>
-                <a:tc>
-                  <a:txBody>
-                    <a:bodyPr/>
-                    <a:lstStyle/>
-                    <a:p>
-                      <a:pPr algn="ctr"/>
-                      <a:r>
-                        <a:rPr lang="es-ES" sz="6000" b="1" dirty="0"/>
-                        <a:t>0</a:t>
-                      </a:r>
-                    </a:p>
-                  </a:txBody>
-                  <a:tcPr anchor="ctr">
-                    <a:lnL w="12700" cap="flat" cmpd="sng" algn="ctr">
-                      <a:solidFill>
-                        <a:schemeClr val="tx1"/>
-                      </a:solidFill>
-                      <a:prstDash val="solid"/>
-                      <a:round/>
-                      <a:headEnd type="none" w="med" len="med"/>
-                      <a:tailEnd type="none" w="med" len="med"/>
-                    </a:lnL>
-                    <a:lnR w="12700" cap="flat" cmpd="sng" algn="ctr">
-                      <a:solidFill>
-                        <a:schemeClr val="tx1"/>
-                      </a:solidFill>
-                      <a:prstDash val="solid"/>
-                      <a:round/>
-                      <a:headEnd type="none" w="med" len="med"/>
-                      <a:tailEnd type="none" w="med" len="med"/>
-                    </a:lnR>
                     <a:lnT w="12700" cap="flat" cmpd="sng" algn="ctr">
                       <a:solidFill>
                         <a:schemeClr val="tx1"/>
@@ -7601,379 +8142,10 @@
                       <a:headEnd type="none" w="med" len="med"/>
                       <a:tailEnd type="none" w="med" len="med"/>
                     </a:lnT>
-                    <a:lnB w="12700" cap="flat" cmpd="sng" algn="ctr">
-                      <a:solidFill>
-                        <a:schemeClr val="tx1"/>
-                      </a:solidFill>
-                      <a:prstDash val="solid"/>
-                      <a:round/>
-                      <a:headEnd type="none" w="med" len="med"/>
-                      <a:tailEnd type="none" w="med" len="med"/>
-                    </a:lnB>
-                    <a:solidFill>
-                      <a:schemeClr val="accent5">
-                        <a:lumMod val="40000"/>
-                        <a:lumOff val="60000"/>
-                      </a:schemeClr>
-                    </a:solidFill>
-                  </a:tcPr>
-                </a:tc>
-                <a:tc>
-                  <a:txBody>
-                    <a:bodyPr/>
-                    <a:lstStyle/>
-                    <a:p>
-                      <a:pPr algn="ctr"/>
-                      <a:r>
-                        <a:rPr lang="es-ES" sz="6000" b="1" dirty="0"/>
-                        <a:t>1</a:t>
-                      </a:r>
-                    </a:p>
-                  </a:txBody>
-                  <a:tcPr anchor="ctr">
-                    <a:lnL w="12700" cap="flat" cmpd="sng" algn="ctr">
-                      <a:solidFill>
-                        <a:schemeClr val="tx1"/>
-                      </a:solidFill>
-                      <a:prstDash val="solid"/>
-                      <a:round/>
-                      <a:headEnd type="none" w="med" len="med"/>
-                      <a:tailEnd type="none" w="med" len="med"/>
-                    </a:lnL>
-                    <a:lnR w="12700" cap="flat" cmpd="sng" algn="ctr">
-                      <a:solidFill>
-                        <a:schemeClr val="tx1"/>
-                      </a:solidFill>
-                      <a:prstDash val="solid"/>
-                      <a:round/>
-                      <a:headEnd type="none" w="med" len="med"/>
-                      <a:tailEnd type="none" w="med" len="med"/>
-                    </a:lnR>
-                    <a:lnT w="12700" cap="flat" cmpd="sng" algn="ctr">
-                      <a:solidFill>
-                        <a:schemeClr val="tx1"/>
-                      </a:solidFill>
-                      <a:prstDash val="solid"/>
-                      <a:round/>
-                      <a:headEnd type="none" w="med" len="med"/>
-                      <a:tailEnd type="none" w="med" len="med"/>
-                    </a:lnT>
-                    <a:lnB w="12700" cap="flat" cmpd="sng" algn="ctr">
-                      <a:solidFill>
-                        <a:schemeClr val="tx1"/>
-                      </a:solidFill>
-                      <a:prstDash val="solid"/>
-                      <a:round/>
-                      <a:headEnd type="none" w="med" len="med"/>
-                      <a:tailEnd type="none" w="med" len="med"/>
-                    </a:lnB>
-                    <a:solidFill>
-                      <a:schemeClr val="accent5">
-                        <a:lumMod val="40000"/>
-                        <a:lumOff val="60000"/>
-                      </a:schemeClr>
-                    </a:solidFill>
-                  </a:tcPr>
-                </a:tc>
-                <a:tc>
-                  <a:txBody>
-                    <a:bodyPr/>
-                    <a:lstStyle/>
-                    <a:p>
-                      <a:pPr algn="ctr"/>
-                      <a:r>
-                        <a:rPr lang="es-ES" sz="6000" b="1" dirty="0"/>
-                        <a:t>0</a:t>
-                      </a:r>
-                    </a:p>
-                  </a:txBody>
-                  <a:tcPr anchor="ctr">
-                    <a:lnL w="12700" cap="flat" cmpd="sng" algn="ctr">
-                      <a:solidFill>
-                        <a:schemeClr val="tx1"/>
-                      </a:solidFill>
-                      <a:prstDash val="solid"/>
-                      <a:round/>
-                      <a:headEnd type="none" w="med" len="med"/>
-                      <a:tailEnd type="none" w="med" len="med"/>
-                    </a:lnL>
-                    <a:lnR w="12700" cap="flat" cmpd="sng" algn="ctr">
-                      <a:solidFill>
-                        <a:schemeClr val="tx1"/>
-                      </a:solidFill>
-                      <a:prstDash val="solid"/>
-                      <a:round/>
-                      <a:headEnd type="none" w="med" len="med"/>
-                      <a:tailEnd type="none" w="med" len="med"/>
-                    </a:lnR>
-                    <a:lnT w="12700" cap="flat" cmpd="sng" algn="ctr">
-                      <a:solidFill>
-                        <a:schemeClr val="tx1"/>
-                      </a:solidFill>
-                      <a:prstDash val="solid"/>
-                      <a:round/>
-                      <a:headEnd type="none" w="med" len="med"/>
-                      <a:tailEnd type="none" w="med" len="med"/>
-                    </a:lnT>
-                    <a:lnB w="12700" cap="flat" cmpd="sng" algn="ctr">
-                      <a:solidFill>
-                        <a:schemeClr val="tx1"/>
-                      </a:solidFill>
-                      <a:prstDash val="solid"/>
-                      <a:round/>
-                      <a:headEnd type="none" w="med" len="med"/>
-                      <a:tailEnd type="none" w="med" len="med"/>
-                    </a:lnB>
-                    <a:solidFill>
-                      <a:schemeClr val="accent5">
-                        <a:lumMod val="40000"/>
-                        <a:lumOff val="60000"/>
-                      </a:schemeClr>
-                    </a:solidFill>
-                  </a:tcPr>
-                </a:tc>
-                <a:tc>
-                  <a:txBody>
-                    <a:bodyPr/>
-                    <a:lstStyle/>
-                    <a:p>
-                      <a:pPr algn="ctr"/>
-                      <a:r>
-                        <a:rPr lang="es-ES" sz="3600" b="1" dirty="0">
-                          <a:solidFill>
-                            <a:schemeClr val="tx2"/>
-                          </a:solidFill>
-                        </a:rPr>
-                        <a:t>1</a:t>
-                      </a:r>
-                    </a:p>
-                  </a:txBody>
-                  <a:tcPr anchor="ctr">
-                    <a:lnL w="12700" cap="flat" cmpd="sng" algn="ctr">
-                      <a:solidFill>
-                        <a:schemeClr val="tx1"/>
-                      </a:solidFill>
-                      <a:prstDash val="solid"/>
-                      <a:round/>
-                      <a:headEnd type="none" w="med" len="med"/>
-                      <a:tailEnd type="none" w="med" len="med"/>
-                    </a:lnL>
-                    <a:solidFill>
-                      <a:schemeClr val="accent1">
-                        <a:lumMod val="20000"/>
-                        <a:lumOff val="80000"/>
-                      </a:schemeClr>
-                    </a:solidFill>
-                  </a:tcPr>
-                </a:tc>
-                <a:extLst>
-                  <a:ext uri="{0D108BD9-81ED-4DB2-BD59-A6C34878D82A}">
-                    <a16:rowId xmlns:a16="http://schemas.microsoft.com/office/drawing/2014/main" val="1334811792"/>
-                  </a:ext>
-                </a:extLst>
-              </a:tr>
-              <a:tr h="1046616">
-                <a:tc>
-                  <a:txBody>
-                    <a:bodyPr/>
-                    <a:lstStyle/>
-                    <a:p>
-                      <a:pPr algn="ctr"/>
-                      <a:r>
-                        <a:rPr lang="es-ES" sz="3600" b="1" dirty="0">
-                          <a:solidFill>
-                            <a:schemeClr val="tx2"/>
-                          </a:solidFill>
-                        </a:rPr>
-                        <a:t>S3</a:t>
-                      </a:r>
-                    </a:p>
-                  </a:txBody>
-                  <a:tcPr anchor="ctr">
-                    <a:lnR w="12700" cap="flat" cmpd="sng" algn="ctr">
-                      <a:solidFill>
-                        <a:schemeClr val="tx1"/>
-                      </a:solidFill>
-                      <a:prstDash val="solid"/>
-                      <a:round/>
-                      <a:headEnd type="none" w="med" len="med"/>
-                      <a:tailEnd type="none" w="med" len="med"/>
-                    </a:lnR>
                     <a:solidFill>
                       <a:schemeClr val="tx2">
-                        <a:lumMod val="20000"/>
-                        <a:lumOff val="80000"/>
-                      </a:schemeClr>
-                    </a:solidFill>
-                  </a:tcPr>
-                </a:tc>
-                <a:tc>
-                  <a:txBody>
-                    <a:bodyPr/>
-                    <a:lstStyle/>
-                    <a:p>
-                      <a:pPr algn="ctr"/>
-                      <a:r>
-                        <a:rPr lang="es-ES" sz="6000" b="1" dirty="0"/>
-                        <a:t>4</a:t>
-                      </a:r>
-                    </a:p>
-                  </a:txBody>
-                  <a:tcPr anchor="ctr">
-                    <a:lnL w="12700" cap="flat" cmpd="sng" algn="ctr">
-                      <a:solidFill>
-                        <a:schemeClr val="tx1"/>
-                      </a:solidFill>
-                      <a:prstDash val="solid"/>
-                      <a:round/>
-                      <a:headEnd type="none" w="med" len="med"/>
-                      <a:tailEnd type="none" w="med" len="med"/>
-                    </a:lnL>
-                    <a:lnR w="12700" cap="flat" cmpd="sng" algn="ctr">
-                      <a:solidFill>
-                        <a:schemeClr val="tx1"/>
-                      </a:solidFill>
-                      <a:prstDash val="solid"/>
-                      <a:round/>
-                      <a:headEnd type="none" w="med" len="med"/>
-                      <a:tailEnd type="none" w="med" len="med"/>
-                    </a:lnR>
-                    <a:lnT w="12700" cap="flat" cmpd="sng" algn="ctr">
-                      <a:solidFill>
-                        <a:schemeClr val="tx1"/>
-                      </a:solidFill>
-                      <a:prstDash val="solid"/>
-                      <a:round/>
-                      <a:headEnd type="none" w="med" len="med"/>
-                      <a:tailEnd type="none" w="med" len="med"/>
-                    </a:lnT>
-                    <a:lnB w="12700" cap="flat" cmpd="sng" algn="ctr">
-                      <a:solidFill>
-                        <a:schemeClr val="tx1"/>
-                      </a:solidFill>
-                      <a:prstDash val="solid"/>
-                      <a:round/>
-                      <a:headEnd type="none" w="med" len="med"/>
-                      <a:tailEnd type="none" w="med" len="med"/>
-                    </a:lnB>
-                    <a:solidFill>
-                      <a:schemeClr val="accent5">
-                        <a:lumMod val="40000"/>
-                        <a:lumOff val="60000"/>
-                      </a:schemeClr>
-                    </a:solidFill>
-                  </a:tcPr>
-                </a:tc>
-                <a:tc>
-                  <a:txBody>
-                    <a:bodyPr/>
-                    <a:lstStyle/>
-                    <a:p>
-                      <a:pPr algn="ctr"/>
-                      <a:r>
-                        <a:rPr lang="es-ES" sz="6000" b="1" dirty="0"/>
-                        <a:t>1</a:t>
-                      </a:r>
-                    </a:p>
-                  </a:txBody>
-                  <a:tcPr anchor="ctr">
-                    <a:lnL w="12700" cap="flat" cmpd="sng" algn="ctr">
-                      <a:solidFill>
-                        <a:schemeClr val="tx1"/>
-                      </a:solidFill>
-                      <a:prstDash val="solid"/>
-                      <a:round/>
-                      <a:headEnd type="none" w="med" len="med"/>
-                      <a:tailEnd type="none" w="med" len="med"/>
-                    </a:lnL>
-                    <a:lnR w="12700" cap="flat" cmpd="sng" algn="ctr">
-                      <a:solidFill>
-                        <a:schemeClr val="tx1"/>
-                      </a:solidFill>
-                      <a:prstDash val="solid"/>
-                      <a:round/>
-                      <a:headEnd type="none" w="med" len="med"/>
-                      <a:tailEnd type="none" w="med" len="med"/>
-                    </a:lnR>
-                    <a:lnT w="12700" cap="flat" cmpd="sng" algn="ctr">
-                      <a:solidFill>
-                        <a:schemeClr val="tx1"/>
-                      </a:solidFill>
-                      <a:prstDash val="solid"/>
-                      <a:round/>
-                      <a:headEnd type="none" w="med" len="med"/>
-                      <a:tailEnd type="none" w="med" len="med"/>
-                    </a:lnT>
-                    <a:lnB w="12700" cap="flat" cmpd="sng" algn="ctr">
-                      <a:solidFill>
-                        <a:schemeClr val="tx1"/>
-                      </a:solidFill>
-                      <a:prstDash val="solid"/>
-                      <a:round/>
-                      <a:headEnd type="none" w="med" len="med"/>
-                      <a:tailEnd type="none" w="med" len="med"/>
-                    </a:lnB>
-                    <a:solidFill>
-                      <a:schemeClr val="accent5">
-                        <a:lumMod val="40000"/>
-                        <a:lumOff val="60000"/>
-                      </a:schemeClr>
-                    </a:solidFill>
-                  </a:tcPr>
-                </a:tc>
-                <a:tc>
-                  <a:txBody>
-                    <a:bodyPr/>
-                    <a:lstStyle/>
-                    <a:p>
-                      <a:pPr algn="ctr"/>
-                      <a:r>
-                        <a:rPr lang="es-ES" sz="6000" b="1" dirty="0"/>
-                        <a:t>0</a:t>
-                      </a:r>
-                    </a:p>
-                  </a:txBody>
-                  <a:tcPr anchor="ctr">
-                    <a:lnL w="12700" cap="flat" cmpd="sng" algn="ctr">
-                      <a:solidFill>
-                        <a:schemeClr val="tx1"/>
-                      </a:solidFill>
-                      <a:prstDash val="solid"/>
-                      <a:round/>
-                      <a:headEnd type="none" w="med" len="med"/>
-                      <a:tailEnd type="none" w="med" len="med"/>
-                    </a:lnL>
-                    <a:lnR w="12700" cap="flat" cmpd="sng" algn="ctr">
-                      <a:solidFill>
-                        <a:schemeClr val="tx1"/>
-                      </a:solidFill>
-                      <a:prstDash val="solid"/>
-                      <a:round/>
-                      <a:headEnd type="none" w="med" len="med"/>
-                      <a:tailEnd type="none" w="med" len="med"/>
-                    </a:lnR>
-                    <a:lnT w="12700" cap="flat" cmpd="sng" algn="ctr">
-                      <a:solidFill>
-                        <a:schemeClr val="tx1"/>
-                      </a:solidFill>
-                      <a:prstDash val="solid"/>
-                      <a:round/>
-                      <a:headEnd type="none" w="med" len="med"/>
-                      <a:tailEnd type="none" w="med" len="med"/>
-                    </a:lnT>
-                    <a:lnB w="12700" cap="flat" cmpd="sng" algn="ctr">
-                      <a:solidFill>
-                        <a:schemeClr val="tx1"/>
-                      </a:solidFill>
-                      <a:prstDash val="solid"/>
-                      <a:round/>
-                      <a:headEnd type="none" w="med" len="med"/>
-                      <a:tailEnd type="none" w="med" len="med"/>
-                    </a:lnB>
-                    <a:solidFill>
-                      <a:schemeClr val="accent5">
-                        <a:lumMod val="40000"/>
-                        <a:lumOff val="60000"/>
+                        <a:lumMod val="60000"/>
+                        <a:lumOff val="40000"/>
                       </a:schemeClr>
                     </a:solidFill>
                   </a:tcPr>
@@ -7991,173 +8163,6 @@
                           </a:solidFill>
                         </a:rPr>
                         <a:t>5</a:t>
-                      </a:r>
-                    </a:p>
-                  </a:txBody>
-                  <a:tcPr anchor="ctr">
-                    <a:lnL w="12700" cap="flat" cmpd="sng" algn="ctr">
-                      <a:solidFill>
-                        <a:schemeClr val="tx1"/>
-                      </a:solidFill>
-                      <a:prstDash val="solid"/>
-                      <a:round/>
-                      <a:headEnd type="none" w="med" len="med"/>
-                      <a:tailEnd type="none" w="med" len="med"/>
-                    </a:lnL>
-                    <a:solidFill>
-                      <a:schemeClr val="tx2">
-                        <a:lumMod val="20000"/>
-                        <a:lumOff val="80000"/>
-                      </a:schemeClr>
-                    </a:solidFill>
-                  </a:tcPr>
-                </a:tc>
-                <a:extLst>
-                  <a:ext uri="{0D108BD9-81ED-4DB2-BD59-A6C34878D82A}">
-                    <a16:rowId xmlns:a16="http://schemas.microsoft.com/office/drawing/2014/main" val="3901077607"/>
-                  </a:ext>
-                </a:extLst>
-              </a:tr>
-              <a:tr h="1046616">
-                <a:tc>
-                  <a:txBody>
-                    <a:bodyPr/>
-                    <a:lstStyle/>
-                    <a:p>
-                      <a:pPr algn="ctr"/>
-                      <a:r>
-                        <a:rPr lang="es-ES" sz="3600" b="1" dirty="0">
-                          <a:solidFill>
-                            <a:schemeClr val="tx2"/>
-                          </a:solidFill>
-                        </a:rPr>
-                        <a:t>S8</a:t>
-                      </a:r>
-                    </a:p>
-                  </a:txBody>
-                  <a:tcPr anchor="ctr">
-                    <a:solidFill>
-                      <a:schemeClr val="bg2">
-                        <a:lumMod val="90000"/>
-                      </a:schemeClr>
-                    </a:solidFill>
-                  </a:tcPr>
-                </a:tc>
-                <a:tc>
-                  <a:txBody>
-                    <a:bodyPr/>
-                    <a:lstStyle/>
-                    <a:p>
-                      <a:pPr algn="ctr"/>
-                      <a:r>
-                        <a:rPr lang="es-ES" sz="3600" b="1" dirty="0">
-                          <a:solidFill>
-                            <a:schemeClr val="tx2"/>
-                          </a:solidFill>
-                        </a:rPr>
-                        <a:t>4</a:t>
-                      </a:r>
-                    </a:p>
-                  </a:txBody>
-                  <a:tcPr anchor="ctr">
-                    <a:lnT w="12700" cap="flat" cmpd="sng" algn="ctr">
-                      <a:solidFill>
-                        <a:schemeClr val="tx1"/>
-                      </a:solidFill>
-                      <a:prstDash val="solid"/>
-                      <a:round/>
-                      <a:headEnd type="none" w="med" len="med"/>
-                      <a:tailEnd type="none" w="med" len="med"/>
-                    </a:lnT>
-                    <a:solidFill>
-                      <a:schemeClr val="accent2">
-                        <a:lumMod val="40000"/>
-                        <a:lumOff val="60000"/>
-                      </a:schemeClr>
-                    </a:solidFill>
-                  </a:tcPr>
-                </a:tc>
-                <a:tc>
-                  <a:txBody>
-                    <a:bodyPr/>
-                    <a:lstStyle/>
-                    <a:p>
-                      <a:pPr algn="ctr"/>
-                      <a:r>
-                        <a:rPr lang="es-ES" sz="3600" b="1" dirty="0">
-                          <a:solidFill>
-                            <a:srgbClr val="FF0000"/>
-                          </a:solidFill>
-                        </a:rPr>
-                        <a:t>2</a:t>
-                      </a:r>
-                    </a:p>
-                  </a:txBody>
-                  <a:tcPr anchor="ctr">
-                    <a:lnT w="12700" cap="flat" cmpd="sng" algn="ctr">
-                      <a:solidFill>
-                        <a:schemeClr val="tx1"/>
-                      </a:solidFill>
-                      <a:prstDash val="solid"/>
-                      <a:round/>
-                      <a:headEnd type="none" w="med" len="med"/>
-                      <a:tailEnd type="none" w="med" len="med"/>
-                    </a:lnT>
-                    <a:solidFill>
-                      <a:schemeClr val="accent1">
-                        <a:lumMod val="60000"/>
-                        <a:lumOff val="40000"/>
-                      </a:schemeClr>
-                    </a:solidFill>
-                  </a:tcPr>
-                </a:tc>
-                <a:tc>
-                  <a:txBody>
-                    <a:bodyPr/>
-                    <a:lstStyle/>
-                    <a:p>
-                      <a:pPr algn="ctr"/>
-                      <a:r>
-                        <a:rPr lang="es-ES" sz="3600" b="1" dirty="0">
-                          <a:solidFill>
-                            <a:schemeClr val="tx2"/>
-                          </a:solidFill>
-                        </a:rPr>
-                        <a:t>0</a:t>
-                      </a:r>
-                    </a:p>
-                  </a:txBody>
-                  <a:tcPr anchor="ctr">
-                    <a:lnT w="12700" cap="flat" cmpd="sng" algn="ctr">
-                      <a:solidFill>
-                        <a:schemeClr val="tx1"/>
-                      </a:solidFill>
-                      <a:prstDash val="solid"/>
-                      <a:round/>
-                      <a:headEnd type="none" w="med" len="med"/>
-                      <a:tailEnd type="none" w="med" len="med"/>
-                    </a:lnT>
-                    <a:solidFill>
-                      <a:schemeClr val="tx2">
-                        <a:lumMod val="60000"/>
-                        <a:lumOff val="40000"/>
-                      </a:schemeClr>
-                    </a:solidFill>
-                  </a:tcPr>
-                </a:tc>
-                <a:tc>
-                  <a:txBody>
-                    <a:bodyPr/>
-                    <a:lstStyle/>
-                    <a:p>
-                      <a:pPr algn="ctr"/>
-                      <a:r>
-                        <a:rPr lang="es-ES" sz="3600" b="1" dirty="0">
-                          <a:solidFill>
-                            <a:schemeClr val="tx2"/>
-                          </a:solidFill>
-                        </a:rPr>
-                        <a:t>1</a:t>
                       </a:r>
                     </a:p>
                   </a:txBody>
@@ -8765,7 +8770,7 @@
           <p:nvPr>
             <p:extLst>
               <p:ext uri="{D42A27DB-BD31-4B8C-83A1-F6EECF244321}">
-                <p14:modId xmlns:p14="http://schemas.microsoft.com/office/powerpoint/2010/main" val="3605337686"/>
+                <p14:modId xmlns:p14="http://schemas.microsoft.com/office/powerpoint/2010/main" val="3767870787"/>
               </p:ext>
             </p:extLst>
           </p:nvPr>
@@ -8810,245 +8815,6 @@
                     <a:lstStyle/>
                     <a:p>
                       <a:pPr algn="ctr"/>
-                      <a:endParaRPr lang="es-ES" sz="6000" b="1" dirty="0">
-                        <a:solidFill>
-                          <a:schemeClr val="tx1"/>
-                        </a:solidFill>
-                      </a:endParaRPr>
-                    </a:p>
-                  </a:txBody>
-                  <a:tcPr anchor="ctr">
-                    <a:lnL w="12700" cap="flat" cmpd="sng" algn="ctr">
-                      <a:solidFill>
-                        <a:schemeClr val="tx1"/>
-                      </a:solidFill>
-                      <a:prstDash val="solid"/>
-                      <a:round/>
-                      <a:headEnd type="none" w="med" len="med"/>
-                      <a:tailEnd type="none" w="med" len="med"/>
-                    </a:lnL>
-                    <a:lnR w="12700" cap="flat" cmpd="sng" algn="ctr">
-                      <a:solidFill>
-                        <a:schemeClr val="tx1"/>
-                      </a:solidFill>
-                      <a:prstDash val="solid"/>
-                      <a:round/>
-                      <a:headEnd type="none" w="med" len="med"/>
-                      <a:tailEnd type="none" w="med" len="med"/>
-                    </a:lnR>
-                    <a:lnT w="12700" cap="flat" cmpd="sng" algn="ctr">
-                      <a:solidFill>
-                        <a:schemeClr val="tx1"/>
-                      </a:solidFill>
-                      <a:prstDash val="solid"/>
-                      <a:round/>
-                      <a:headEnd type="none" w="med" len="med"/>
-                      <a:tailEnd type="none" w="med" len="med"/>
-                    </a:lnT>
-                    <a:lnB w="12700" cap="flat" cmpd="sng" algn="ctr">
-                      <a:solidFill>
-                        <a:schemeClr val="tx1"/>
-                      </a:solidFill>
-                      <a:prstDash val="solid"/>
-                      <a:round/>
-                      <a:headEnd type="none" w="med" len="med"/>
-                      <a:tailEnd type="none" w="med" len="med"/>
-                    </a:lnB>
-                    <a:solidFill>
-                      <a:schemeClr val="accent5">
-                        <a:lumMod val="40000"/>
-                        <a:lumOff val="60000"/>
-                      </a:schemeClr>
-                    </a:solidFill>
-                  </a:tcPr>
-                </a:tc>
-                <a:tc>
-                  <a:txBody>
-                    <a:bodyPr/>
-                    <a:lstStyle/>
-                    <a:p>
-                      <a:pPr algn="ctr"/>
-                      <a:endParaRPr lang="es-ES" sz="6000" b="1" dirty="0">
-                        <a:solidFill>
-                          <a:schemeClr val="tx1"/>
-                        </a:solidFill>
-                      </a:endParaRPr>
-                    </a:p>
-                  </a:txBody>
-                  <a:tcPr anchor="ctr">
-                    <a:lnL w="12700" cap="flat" cmpd="sng" algn="ctr">
-                      <a:solidFill>
-                        <a:schemeClr val="tx1"/>
-                      </a:solidFill>
-                      <a:prstDash val="solid"/>
-                      <a:round/>
-                      <a:headEnd type="none" w="med" len="med"/>
-                      <a:tailEnd type="none" w="med" len="med"/>
-                    </a:lnL>
-                    <a:lnR w="12700" cap="flat" cmpd="sng" algn="ctr">
-                      <a:solidFill>
-                        <a:schemeClr val="tx1"/>
-                      </a:solidFill>
-                      <a:prstDash val="solid"/>
-                      <a:round/>
-                      <a:headEnd type="none" w="med" len="med"/>
-                      <a:tailEnd type="none" w="med" len="med"/>
-                    </a:lnR>
-                    <a:lnT w="12700" cap="flat" cmpd="sng" algn="ctr">
-                      <a:solidFill>
-                        <a:schemeClr val="tx1"/>
-                      </a:solidFill>
-                      <a:prstDash val="solid"/>
-                      <a:round/>
-                      <a:headEnd type="none" w="med" len="med"/>
-                      <a:tailEnd type="none" w="med" len="med"/>
-                    </a:lnT>
-                    <a:lnB w="12700" cap="flat" cmpd="sng" algn="ctr">
-                      <a:solidFill>
-                        <a:schemeClr val="tx1"/>
-                      </a:solidFill>
-                      <a:prstDash val="solid"/>
-                      <a:round/>
-                      <a:headEnd type="none" w="med" len="med"/>
-                      <a:tailEnd type="none" w="med" len="med"/>
-                    </a:lnB>
-                    <a:solidFill>
-                      <a:schemeClr val="accent5">
-                        <a:lumMod val="40000"/>
-                        <a:lumOff val="60000"/>
-                      </a:schemeClr>
-                    </a:solidFill>
-                  </a:tcPr>
-                </a:tc>
-                <a:tc>
-                  <a:txBody>
-                    <a:bodyPr/>
-                    <a:lstStyle/>
-                    <a:p>
-                      <a:pPr algn="ctr"/>
-                      <a:endParaRPr lang="es-ES" sz="6000" b="1" dirty="0">
-                        <a:solidFill>
-                          <a:schemeClr val="tx1"/>
-                        </a:solidFill>
-                      </a:endParaRPr>
-                    </a:p>
-                  </a:txBody>
-                  <a:tcPr anchor="ctr">
-                    <a:lnL w="12700" cap="flat" cmpd="sng" algn="ctr">
-                      <a:solidFill>
-                        <a:schemeClr val="tx1"/>
-                      </a:solidFill>
-                      <a:prstDash val="solid"/>
-                      <a:round/>
-                      <a:headEnd type="none" w="med" len="med"/>
-                      <a:tailEnd type="none" w="med" len="med"/>
-                    </a:lnL>
-                    <a:lnR w="12700" cap="flat" cmpd="sng" algn="ctr">
-                      <a:solidFill>
-                        <a:schemeClr val="tx1"/>
-                      </a:solidFill>
-                      <a:prstDash val="solid"/>
-                      <a:round/>
-                      <a:headEnd type="none" w="med" len="med"/>
-                      <a:tailEnd type="none" w="med" len="med"/>
-                    </a:lnR>
-                    <a:lnT w="12700" cap="flat" cmpd="sng" algn="ctr">
-                      <a:solidFill>
-                        <a:schemeClr val="tx1"/>
-                      </a:solidFill>
-                      <a:prstDash val="solid"/>
-                      <a:round/>
-                      <a:headEnd type="none" w="med" len="med"/>
-                      <a:tailEnd type="none" w="med" len="med"/>
-                    </a:lnT>
-                    <a:lnB w="12700" cap="flat" cmpd="sng" algn="ctr">
-                      <a:solidFill>
-                        <a:schemeClr val="tx1"/>
-                      </a:solidFill>
-                      <a:prstDash val="solid"/>
-                      <a:round/>
-                      <a:headEnd type="none" w="med" len="med"/>
-                      <a:tailEnd type="none" w="med" len="med"/>
-                    </a:lnB>
-                    <a:solidFill>
-                      <a:schemeClr val="accent5">
-                        <a:lumMod val="40000"/>
-                        <a:lumOff val="60000"/>
-                      </a:schemeClr>
-                    </a:solidFill>
-                  </a:tcPr>
-                </a:tc>
-                <a:extLst>
-                  <a:ext uri="{0D108BD9-81ED-4DB2-BD59-A6C34878D82A}">
-                    <a16:rowId xmlns:a16="http://schemas.microsoft.com/office/drawing/2014/main" val="3927599680"/>
-                  </a:ext>
-                </a:extLst>
-              </a:tr>
-              <a:tr h="1046616">
-                <a:tc>
-                  <a:txBody>
-                    <a:bodyPr/>
-                    <a:lstStyle/>
-                    <a:p>
-                      <a:pPr algn="ctr"/>
-                      <a:endParaRPr lang="es-ES" sz="6000" b="1">
-                        <a:solidFill>
-                          <a:schemeClr val="tx1"/>
-                        </a:solidFill>
-                      </a:endParaRPr>
-                    </a:p>
-                  </a:txBody>
-                  <a:tcPr anchor="ctr">
-                    <a:lnL w="12700" cap="flat" cmpd="sng" algn="ctr">
-                      <a:solidFill>
-                        <a:schemeClr val="tx1"/>
-                      </a:solidFill>
-                      <a:prstDash val="solid"/>
-                      <a:round/>
-                      <a:headEnd type="none" w="med" len="med"/>
-                      <a:tailEnd type="none" w="med" len="med"/>
-                    </a:lnL>
-                    <a:lnR w="12700" cap="flat" cmpd="sng" algn="ctr">
-                      <a:solidFill>
-                        <a:schemeClr val="tx1"/>
-                      </a:solidFill>
-                      <a:prstDash val="solid"/>
-                      <a:round/>
-                      <a:headEnd type="none" w="med" len="med"/>
-                      <a:tailEnd type="none" w="med" len="med"/>
-                    </a:lnR>
-                    <a:lnT w="12700" cap="flat" cmpd="sng" algn="ctr">
-                      <a:solidFill>
-                        <a:schemeClr val="tx1"/>
-                      </a:solidFill>
-                      <a:prstDash val="solid"/>
-                      <a:round/>
-                      <a:headEnd type="none" w="med" len="med"/>
-                      <a:tailEnd type="none" w="med" len="med"/>
-                    </a:lnT>
-                    <a:lnB w="12700" cap="flat" cmpd="sng" algn="ctr">
-                      <a:solidFill>
-                        <a:schemeClr val="tx1"/>
-                      </a:solidFill>
-                      <a:prstDash val="solid"/>
-                      <a:round/>
-                      <a:headEnd type="none" w="med" len="med"/>
-                      <a:tailEnd type="none" w="med" len="med"/>
-                    </a:lnB>
-                    <a:solidFill>
-                      <a:schemeClr val="accent5">
-                        <a:lumMod val="40000"/>
-                        <a:lumOff val="60000"/>
-                      </a:schemeClr>
-                    </a:solidFill>
-                  </a:tcPr>
-                </a:tc>
-                <a:tc>
-                  <a:txBody>
-                    <a:bodyPr/>
-                    <a:lstStyle/>
-                    <a:p>
-                      <a:pPr algn="ctr"/>
                       <a:r>
                         <a:rPr lang="es-ES" sz="6000" b="1" dirty="0">
                           <a:solidFill>
@@ -9162,13 +8928,132 @@
                     </a:solidFill>
                   </a:tcPr>
                 </a:tc>
+                <a:tc>
+                  <a:txBody>
+                    <a:bodyPr/>
+                    <a:lstStyle/>
+                    <a:p>
+                      <a:pPr algn="ctr"/>
+                      <a:endParaRPr lang="es-ES" sz="6000" b="1" dirty="0">
+                        <a:solidFill>
+                          <a:schemeClr val="tx1"/>
+                        </a:solidFill>
+                      </a:endParaRPr>
+                    </a:p>
+                  </a:txBody>
+                  <a:tcPr anchor="ctr">
+                    <a:lnL w="12700" cap="flat" cmpd="sng" algn="ctr">
+                      <a:solidFill>
+                        <a:schemeClr val="tx1"/>
+                      </a:solidFill>
+                      <a:prstDash val="solid"/>
+                      <a:round/>
+                      <a:headEnd type="none" w="med" len="med"/>
+                      <a:tailEnd type="none" w="med" len="med"/>
+                    </a:lnL>
+                    <a:lnR w="12700" cap="flat" cmpd="sng" algn="ctr">
+                      <a:solidFill>
+                        <a:schemeClr val="tx1"/>
+                      </a:solidFill>
+                      <a:prstDash val="solid"/>
+                      <a:round/>
+                      <a:headEnd type="none" w="med" len="med"/>
+                      <a:tailEnd type="none" w="med" len="med"/>
+                    </a:lnR>
+                    <a:lnT w="12700" cap="flat" cmpd="sng" algn="ctr">
+                      <a:solidFill>
+                        <a:schemeClr val="tx1"/>
+                      </a:solidFill>
+                      <a:prstDash val="solid"/>
+                      <a:round/>
+                      <a:headEnd type="none" w="med" len="med"/>
+                      <a:tailEnd type="none" w="med" len="med"/>
+                    </a:lnT>
+                    <a:lnB w="12700" cap="flat" cmpd="sng" algn="ctr">
+                      <a:solidFill>
+                        <a:schemeClr val="tx1"/>
+                      </a:solidFill>
+                      <a:prstDash val="solid"/>
+                      <a:round/>
+                      <a:headEnd type="none" w="med" len="med"/>
+                      <a:tailEnd type="none" w="med" len="med"/>
+                    </a:lnB>
+                    <a:solidFill>
+                      <a:schemeClr val="accent5">
+                        <a:lumMod val="40000"/>
+                        <a:lumOff val="60000"/>
+                      </a:schemeClr>
+                    </a:solidFill>
+                  </a:tcPr>
+                </a:tc>
                 <a:extLst>
                   <a:ext uri="{0D108BD9-81ED-4DB2-BD59-A6C34878D82A}">
-                    <a16:rowId xmlns:a16="http://schemas.microsoft.com/office/drawing/2014/main" val="2084203035"/>
+                    <a16:rowId xmlns:a16="http://schemas.microsoft.com/office/drawing/2014/main" val="3927599680"/>
                   </a:ext>
                 </a:extLst>
               </a:tr>
               <a:tr h="1046616">
+                <a:tc>
+                  <a:txBody>
+                    <a:bodyPr/>
+                    <a:lstStyle/>
+                    <a:p>
+                      <a:pPr algn="ctr"/>
+                      <a:r>
+                        <a:rPr lang="es-ES" sz="6000" b="1" dirty="0">
+                          <a:solidFill>
+                            <a:schemeClr val="tx1"/>
+                          </a:solidFill>
+                        </a:rPr>
+                        <a:t>O</a:t>
+                      </a:r>
+                    </a:p>
+                  </a:txBody>
+                  <a:tcPr anchor="ctr">
+                    <a:lnL w="12700" cap="flat" cmpd="sng" algn="ctr">
+                      <a:solidFill>
+                        <a:schemeClr val="tx1"/>
+                      </a:solidFill>
+                      <a:prstDash val="solid"/>
+                      <a:round/>
+                      <a:headEnd type="none" w="med" len="med"/>
+                      <a:tailEnd type="none" w="med" len="med"/>
+                    </a:lnL>
+                    <a:lnR w="12700" cap="flat" cmpd="sng" algn="ctr">
+                      <a:solidFill>
+                        <a:schemeClr val="tx1"/>
+                      </a:solidFill>
+                      <a:prstDash val="solid"/>
+                      <a:round/>
+                      <a:headEnd type="none" w="med" len="med"/>
+                      <a:tailEnd type="none" w="med" len="med"/>
+                    </a:lnR>
+                    <a:lnT w="12700" cap="flat" cmpd="sng" algn="ctr">
+                      <a:solidFill>
+                        <a:schemeClr val="tx1"/>
+                      </a:solidFill>
+                      <a:prstDash val="solid"/>
+                      <a:round/>
+                      <a:headEnd type="none" w="med" len="med"/>
+                      <a:tailEnd type="none" w="med" len="med"/>
+                    </a:lnT>
+                    <a:lnB w="12700" cap="flat" cmpd="sng" algn="ctr">
+                      <a:solidFill>
+                        <a:schemeClr val="tx1"/>
+                      </a:solidFill>
+                      <a:prstDash val="solid"/>
+                      <a:round/>
+                      <a:headEnd type="none" w="med" len="med"/>
+                      <a:tailEnd type="none" w="med" len="med"/>
+                    </a:lnB>
+                    <a:solidFill>
+                      <a:schemeClr val="accent5">
+                        <a:lumMod val="40000"/>
+                        <a:lumOff val="60000"/>
+                      </a:schemeClr>
+                    </a:solidFill>
+                  </a:tcPr>
+                </a:tc>
                 <a:tc>
                   <a:txBody>
                     <a:bodyPr/>
@@ -9236,14 +9121,137 @@
                     <a:lstStyle/>
                     <a:p>
                       <a:pPr algn="ctr"/>
+                      <a:endParaRPr lang="es-ES" sz="6000" b="1" dirty="0">
+                        <a:solidFill>
+                          <a:schemeClr val="tx1"/>
+                        </a:solidFill>
+                      </a:endParaRPr>
+                    </a:p>
+                  </a:txBody>
+                  <a:tcPr anchor="ctr">
+                    <a:lnL w="12700" cap="flat" cmpd="sng" algn="ctr">
+                      <a:solidFill>
+                        <a:schemeClr val="tx1"/>
+                      </a:solidFill>
+                      <a:prstDash val="solid"/>
+                      <a:round/>
+                      <a:headEnd type="none" w="med" len="med"/>
+                      <a:tailEnd type="none" w="med" len="med"/>
+                    </a:lnL>
+                    <a:lnR w="12700" cap="flat" cmpd="sng" algn="ctr">
+                      <a:solidFill>
+                        <a:schemeClr val="tx1"/>
+                      </a:solidFill>
+                      <a:prstDash val="solid"/>
+                      <a:round/>
+                      <a:headEnd type="none" w="med" len="med"/>
+                      <a:tailEnd type="none" w="med" len="med"/>
+                    </a:lnR>
+                    <a:lnT w="12700" cap="flat" cmpd="sng" algn="ctr">
+                      <a:solidFill>
+                        <a:schemeClr val="tx1"/>
+                      </a:solidFill>
+                      <a:prstDash val="solid"/>
+                      <a:round/>
+                      <a:headEnd type="none" w="med" len="med"/>
+                      <a:tailEnd type="none" w="med" len="med"/>
+                    </a:lnT>
+                    <a:lnB w="12700" cap="flat" cmpd="sng" algn="ctr">
+                      <a:solidFill>
+                        <a:schemeClr val="tx1"/>
+                      </a:solidFill>
+                      <a:prstDash val="solid"/>
+                      <a:round/>
+                      <a:headEnd type="none" w="med" len="med"/>
+                      <a:tailEnd type="none" w="med" len="med"/>
+                    </a:lnB>
+                    <a:solidFill>
+                      <a:schemeClr val="accent5">
+                        <a:lumMod val="40000"/>
+                        <a:lumOff val="60000"/>
+                      </a:schemeClr>
+                    </a:solidFill>
+                  </a:tcPr>
+                </a:tc>
+                <a:extLst>
+                  <a:ext uri="{0D108BD9-81ED-4DB2-BD59-A6C34878D82A}">
+                    <a16:rowId xmlns:a16="http://schemas.microsoft.com/office/drawing/2014/main" val="2084203035"/>
+                  </a:ext>
+                </a:extLst>
+              </a:tr>
+              <a:tr h="1046616">
+                <a:tc>
+                  <a:txBody>
+                    <a:bodyPr/>
+                    <a:lstStyle/>
+                    <a:p>
+                      <a:pPr algn="ctr"/>
                       <a:r>
                         <a:rPr lang="es-ES" sz="6000" b="1" dirty="0">
                           <a:solidFill>
                             <a:schemeClr val="tx1"/>
                           </a:solidFill>
                         </a:rPr>
-                        <a:t>O</a:t>
+                        <a:t>X</a:t>
                       </a:r>
+                    </a:p>
+                  </a:txBody>
+                  <a:tcPr anchor="ctr">
+                    <a:lnL w="12700" cap="flat" cmpd="sng" algn="ctr">
+                      <a:solidFill>
+                        <a:schemeClr val="tx1"/>
+                      </a:solidFill>
+                      <a:prstDash val="solid"/>
+                      <a:round/>
+                      <a:headEnd type="none" w="med" len="med"/>
+                      <a:tailEnd type="none" w="med" len="med"/>
+                    </a:lnL>
+                    <a:lnR w="12700" cap="flat" cmpd="sng" algn="ctr">
+                      <a:solidFill>
+                        <a:schemeClr val="tx1"/>
+                      </a:solidFill>
+                      <a:prstDash val="solid"/>
+                      <a:round/>
+                      <a:headEnd type="none" w="med" len="med"/>
+                      <a:tailEnd type="none" w="med" len="med"/>
+                    </a:lnR>
+                    <a:lnT w="12700" cap="flat" cmpd="sng" algn="ctr">
+                      <a:solidFill>
+                        <a:schemeClr val="tx1"/>
+                      </a:solidFill>
+                      <a:prstDash val="solid"/>
+                      <a:round/>
+                      <a:headEnd type="none" w="med" len="med"/>
+                      <a:tailEnd type="none" w="med" len="med"/>
+                    </a:lnT>
+                    <a:lnB w="12700" cap="flat" cmpd="sng" algn="ctr">
+                      <a:solidFill>
+                        <a:schemeClr val="tx1"/>
+                      </a:solidFill>
+                      <a:prstDash val="solid"/>
+                      <a:round/>
+                      <a:headEnd type="none" w="med" len="med"/>
+                      <a:tailEnd type="none" w="med" len="med"/>
+                    </a:lnB>
+                    <a:solidFill>
+                      <a:schemeClr val="accent5">
+                        <a:lumMod val="40000"/>
+                        <a:lumOff val="60000"/>
+                      </a:schemeClr>
+                    </a:solidFill>
+                  </a:tcPr>
+                </a:tc>
+                <a:tc>
+                  <a:txBody>
+                    <a:bodyPr/>
+                    <a:lstStyle/>
+                    <a:p>
+                      <a:pPr algn="ctr"/>
+                      <a:endParaRPr lang="es-ES" sz="6000" b="1" dirty="0">
+                        <a:solidFill>
+                          <a:schemeClr val="tx1"/>
+                        </a:solidFill>
+                      </a:endParaRPr>
                     </a:p>
                   </a:txBody>
                   <a:tcPr anchor="ctr">
@@ -9391,10 +9399,10 @@
       </p:grpSpPr>
       <p:pic>
         <p:nvPicPr>
-          <p:cNvPr id="2" name="Picture 1">
+          <p:cNvPr id="7" name="Picture 6">
             <a:extLst>
               <a:ext uri="{FF2B5EF4-FFF2-40B4-BE49-F238E27FC236}">
-                <a16:creationId xmlns:a16="http://schemas.microsoft.com/office/drawing/2014/main" id="{F2ED8F2C-BDAE-4ECD-B6FB-26D1C834AE7B}"/>
+                <a16:creationId xmlns:a16="http://schemas.microsoft.com/office/drawing/2014/main" id="{3D3842F2-CD82-4E4B-AAC0-2D116143D2AF}"/>
               </a:ext>
             </a:extLst>
           </p:cNvPr>
@@ -9411,68 +9419,8 @@
         </p:blipFill>
         <p:spPr>
           <a:xfrm>
-            <a:off x="559164" y="779746"/>
-            <a:ext cx="1263255" cy="1412147"/>
-          </a:xfrm>
-          <a:prstGeom prst="rect">
-            <a:avLst/>
-          </a:prstGeom>
-        </p:spPr>
-      </p:pic>
-      <p:pic>
-        <p:nvPicPr>
-          <p:cNvPr id="3" name="Picture 2">
-            <a:extLst>
-              <a:ext uri="{FF2B5EF4-FFF2-40B4-BE49-F238E27FC236}">
-                <a16:creationId xmlns:a16="http://schemas.microsoft.com/office/drawing/2014/main" id="{3C2243D2-7DF9-44AF-8B30-2B873E9CD705}"/>
-              </a:ext>
-            </a:extLst>
-          </p:cNvPr>
-          <p:cNvPicPr>
-            <a:picLocks noChangeAspect="1"/>
-          </p:cNvPicPr>
-          <p:nvPr/>
-        </p:nvPicPr>
-        <p:blipFill>
-          <a:blip r:embed="rId3"/>
-          <a:stretch>
-            <a:fillRect/>
-          </a:stretch>
-        </p:blipFill>
-        <p:spPr>
-          <a:xfrm>
-            <a:off x="2370343" y="605942"/>
-            <a:ext cx="1661210" cy="1585951"/>
-          </a:xfrm>
-          <a:prstGeom prst="rect">
-            <a:avLst/>
-          </a:prstGeom>
-        </p:spPr>
-      </p:pic>
-      <p:pic>
-        <p:nvPicPr>
-          <p:cNvPr id="7" name="Picture 6">
-            <a:extLst>
-              <a:ext uri="{FF2B5EF4-FFF2-40B4-BE49-F238E27FC236}">
-                <a16:creationId xmlns:a16="http://schemas.microsoft.com/office/drawing/2014/main" id="{3D3842F2-CD82-4E4B-AAC0-2D116143D2AF}"/>
-              </a:ext>
-            </a:extLst>
-          </p:cNvPr>
-          <p:cNvPicPr>
-            <a:picLocks noChangeAspect="1"/>
-          </p:cNvPicPr>
-          <p:nvPr/>
-        </p:nvPicPr>
-        <p:blipFill>
-          <a:blip r:embed="rId4"/>
-          <a:stretch>
-            <a:fillRect/>
-          </a:stretch>
-        </p:blipFill>
-        <p:spPr>
-          <a:xfrm>
-            <a:off x="5133387" y="855946"/>
-            <a:ext cx="1248570" cy="1335947"/>
+            <a:off x="6606747" y="1498530"/>
+            <a:ext cx="2549085" cy="2727474"/>
           </a:xfrm>
           <a:prstGeom prst="rect">
             <a:avLst/>
@@ -9494,15 +9442,15 @@
           <p:nvPr/>
         </p:nvPicPr>
         <p:blipFill>
-          <a:blip r:embed="rId5"/>
+          <a:blip r:embed="rId3"/>
           <a:stretch>
             <a:fillRect/>
           </a:stretch>
         </p:blipFill>
         <p:spPr>
           <a:xfrm>
-            <a:off x="6653187" y="605942"/>
-            <a:ext cx="1661211" cy="1585952"/>
+            <a:off x="9407215" y="1498530"/>
+            <a:ext cx="2569639" cy="2453225"/>
           </a:xfrm>
           <a:prstGeom prst="rect">
             <a:avLst/>
@@ -9511,10 +9459,10 @@
       </p:pic>
       <p:sp>
         <p:nvSpPr>
-          <p:cNvPr id="9" name="TextBox 8">
+          <p:cNvPr id="10" name="TextBox 9">
             <a:extLst>
               <a:ext uri="{FF2B5EF4-FFF2-40B4-BE49-F238E27FC236}">
-                <a16:creationId xmlns:a16="http://schemas.microsoft.com/office/drawing/2014/main" id="{94709168-3DD1-4B5D-88C4-5C52711F593B}"/>
+                <a16:creationId xmlns:a16="http://schemas.microsoft.com/office/drawing/2014/main" id="{D0A6542D-8877-4BA5-BC57-77375B46348A}"/>
               </a:ext>
             </a:extLst>
           </p:cNvPr>
@@ -9523,8 +9471,8 @@
         </p:nvSpPr>
         <p:spPr>
           <a:xfrm>
-            <a:off x="859045" y="2557653"/>
-            <a:ext cx="2803140" cy="646331"/>
+            <a:off x="7881289" y="4465373"/>
+            <a:ext cx="3338667" cy="646331"/>
           </a:xfrm>
           <a:prstGeom prst="rect">
             <a:avLst/>
@@ -9532,7 +9480,108 @@
           <a:noFill/>
         </p:spPr>
         <p:txBody>
-          <a:bodyPr wrap="none" rtlCol="0">
+          <a:bodyPr wrap="square" rtlCol="0">
+            <a:spAutoFit/>
+          </a:bodyPr>
+          <a:lstStyle/>
+          <a:p>
+            <a:r>
+              <a:rPr lang="en-GB" dirty="0"/>
+              <a:t>S5 column shows that an</a:t>
+            </a:r>
+          </a:p>
+          <a:p>
+            <a:r>
+              <a:rPr lang="en-GB" dirty="0"/>
+              <a:t> imminent lose can happen.</a:t>
+            </a:r>
+          </a:p>
+        </p:txBody>
+      </p:sp>
+      <p:pic>
+        <p:nvPicPr>
+          <p:cNvPr id="5" name="Picture 4">
+            <a:extLst>
+              <a:ext uri="{FF2B5EF4-FFF2-40B4-BE49-F238E27FC236}">
+                <a16:creationId xmlns:a16="http://schemas.microsoft.com/office/drawing/2014/main" id="{8FDAB323-9F63-47C2-BB5E-5B86016F130B}"/>
+              </a:ext>
+            </a:extLst>
+          </p:cNvPr>
+          <p:cNvPicPr>
+            <a:picLocks noChangeAspect="1"/>
+          </p:cNvPicPr>
+          <p:nvPr/>
+        </p:nvPicPr>
+        <p:blipFill>
+          <a:blip r:embed="rId4"/>
+          <a:stretch>
+            <a:fillRect/>
+          </a:stretch>
+        </p:blipFill>
+        <p:spPr>
+          <a:xfrm>
+            <a:off x="3227782" y="1498530"/>
+            <a:ext cx="2569639" cy="2453225"/>
+          </a:xfrm>
+          <a:prstGeom prst="rect">
+            <a:avLst/>
+          </a:prstGeom>
+        </p:spPr>
+      </p:pic>
+      <p:pic>
+        <p:nvPicPr>
+          <p:cNvPr id="6" name="Picture 5">
+            <a:extLst>
+              <a:ext uri="{FF2B5EF4-FFF2-40B4-BE49-F238E27FC236}">
+                <a16:creationId xmlns:a16="http://schemas.microsoft.com/office/drawing/2014/main" id="{724E1524-A2E7-401C-8E37-657D19AC552E}"/>
+              </a:ext>
+            </a:extLst>
+          </p:cNvPr>
+          <p:cNvPicPr>
+            <a:picLocks noChangeAspect="1"/>
+          </p:cNvPicPr>
+          <p:nvPr/>
+        </p:nvPicPr>
+        <p:blipFill>
+          <a:blip r:embed="rId5"/>
+          <a:stretch>
+            <a:fillRect/>
+          </a:stretch>
+        </p:blipFill>
+        <p:spPr>
+          <a:xfrm>
+            <a:off x="289248" y="1401061"/>
+            <a:ext cx="2549085" cy="2849531"/>
+          </a:xfrm>
+          <a:prstGeom prst="rect">
+            <a:avLst/>
+          </a:prstGeom>
+        </p:spPr>
+      </p:pic>
+      <p:sp>
+        <p:nvSpPr>
+          <p:cNvPr id="13" name="TextBox 12">
+            <a:extLst>
+              <a:ext uri="{FF2B5EF4-FFF2-40B4-BE49-F238E27FC236}">
+                <a16:creationId xmlns:a16="http://schemas.microsoft.com/office/drawing/2014/main" id="{AB838F20-BC0D-48DD-979C-305F56BA9454}"/>
+              </a:ext>
+            </a:extLst>
+          </p:cNvPr>
+          <p:cNvSpPr txBox="1"/>
+          <p:nvPr/>
+        </p:nvSpPr>
+        <p:spPr>
+          <a:xfrm>
+            <a:off x="1563790" y="4465374"/>
+            <a:ext cx="3338667" cy="646331"/>
+          </a:xfrm>
+          <a:prstGeom prst="rect">
+            <a:avLst/>
+          </a:prstGeom>
+          <a:noFill/>
+        </p:spPr>
+        <p:txBody>
+          <a:bodyPr wrap="square" rtlCol="0">
             <a:spAutoFit/>
           </a:bodyPr>
           <a:lstStyle/>
@@ -9550,77 +9599,47 @@
           </a:p>
         </p:txBody>
       </p:sp>
-      <p:sp>
-        <p:nvSpPr>
-          <p:cNvPr id="10" name="TextBox 9">
+      <p:cxnSp>
+        <p:nvCxnSpPr>
+          <p:cNvPr id="14" name="Straight Connector 13">
             <a:extLst>
               <a:ext uri="{FF2B5EF4-FFF2-40B4-BE49-F238E27FC236}">
-                <a16:creationId xmlns:a16="http://schemas.microsoft.com/office/drawing/2014/main" id="{D0A6542D-8877-4BA5-BC57-77375B46348A}"/>
+                <a16:creationId xmlns:a16="http://schemas.microsoft.com/office/drawing/2014/main" id="{D98C6CB0-B5B2-4288-B66C-1AEDC520FABA}"/>
               </a:ext>
             </a:extLst>
           </p:cNvPr>
-          <p:cNvSpPr txBox="1"/>
-          <p:nvPr/>
-        </p:nvSpPr>
-        <p:spPr>
-          <a:xfrm>
-            <a:off x="5345701" y="2557652"/>
-            <a:ext cx="2783904" cy="646331"/>
-          </a:xfrm>
-          <a:prstGeom prst="rect">
-            <a:avLst/>
-          </a:prstGeom>
-          <a:noFill/>
-        </p:spPr>
-        <p:txBody>
-          <a:bodyPr wrap="none" rtlCol="0">
-            <a:spAutoFit/>
-          </a:bodyPr>
-          <a:lstStyle/>
-          <a:p>
-            <a:r>
-              <a:rPr lang="en-GB" dirty="0"/>
-              <a:t>S5 column shows that an</a:t>
-            </a:r>
-          </a:p>
-          <a:p>
-            <a:r>
-              <a:rPr lang="en-GB" dirty="0"/>
-              <a:t> imminent lose can happen.</a:t>
-            </a:r>
-          </a:p>
-        </p:txBody>
-      </p:sp>
-      <p:cxnSp>
-        <p:nvCxnSpPr>
-          <p:cNvPr id="12" name="Straight Connector 11">
-            <a:extLst>
-              <a:ext uri="{FF2B5EF4-FFF2-40B4-BE49-F238E27FC236}">
-                <a16:creationId xmlns:a16="http://schemas.microsoft.com/office/drawing/2014/main" id="{7B04EA92-6FA9-43BA-B941-9C40038A5DDD}"/>
-              </a:ext>
-            </a:extLst>
-          </p:cNvPr>
-          <p:cNvCxnSpPr/>
+          <p:cNvCxnSpPr>
+            <a:cxnSpLocks/>
+          </p:cNvCxnSpPr>
           <p:nvPr/>
         </p:nvCxnSpPr>
         <p:spPr>
           <a:xfrm>
-            <a:off x="4553712" y="356616"/>
-            <a:ext cx="0" cy="3127248"/>
+            <a:off x="6196668" y="1182848"/>
+            <a:ext cx="0" cy="4404220"/>
           </a:xfrm>
           <a:prstGeom prst="line">
             <a:avLst/>
           </a:prstGeom>
+          <a:ln w="9525" cap="flat" cmpd="sng" algn="ctr">
+            <a:solidFill>
+              <a:schemeClr val="dk1"/>
+            </a:solidFill>
+            <a:prstDash val="dash"/>
+            <a:round/>
+            <a:headEnd type="none" w="med" len="med"/>
+            <a:tailEnd type="none" w="med" len="med"/>
+          </a:ln>
         </p:spPr>
         <p:style>
-          <a:lnRef idx="1">
-            <a:schemeClr val="dk1"/>
+          <a:lnRef idx="0">
+            <a:scrgbClr r="0" g="0" b="0"/>
           </a:lnRef>
           <a:fillRef idx="0">
-            <a:schemeClr val="dk1"/>
+            <a:scrgbClr r="0" g="0" b="0"/>
           </a:fillRef>
           <a:effectRef idx="0">
-            <a:schemeClr val="dk1"/>
+            <a:scrgbClr r="0" g="0" b="0"/>
           </a:effectRef>
           <a:fontRef idx="minor">
             <a:schemeClr val="tx1"/>
